--- a/ppt 16-9/0566.主啊！我起来.pptx
+++ b/ppt 16-9/0566.主啊！我起来.pptx
@@ -5,7 +5,7 @@
     <p:sldMasterId id="2147483648" r:id="rId1"/>
   </p:sldMasterIdLst>
   <p:sldIdLst>
-    <p:sldId id="2322" r:id="rId2"/>
+    <p:sldId id="2324" r:id="rId2"/>
   </p:sldIdLst>
   <p:sldSz cx="12192000" cy="6858000"/>
   <p:notesSz cx="6858000" cy="9144000"/>
@@ -129,7 +129,7 @@
           <p:cNvPr id="2" name="标题 1">
             <a:extLst>
               <a:ext uri="{FF2B5EF4-FFF2-40B4-BE49-F238E27FC236}">
-                <a16:creationId xmlns:a16="http://schemas.microsoft.com/office/drawing/2014/main" id="{DF615E50-7E98-E4AF-6E15-06D3CFFB9450}"/>
+                <a16:creationId xmlns:a16="http://schemas.microsoft.com/office/drawing/2014/main" id="{474FDB6A-FACF-2B6A-5568-0D7E2A638903}"/>
               </a:ext>
             </a:extLst>
           </p:cNvPr>
@@ -166,7 +166,7 @@
           <p:cNvPr id="3" name="副标题 2">
             <a:extLst>
               <a:ext uri="{FF2B5EF4-FFF2-40B4-BE49-F238E27FC236}">
-                <a16:creationId xmlns:a16="http://schemas.microsoft.com/office/drawing/2014/main" id="{5A0B4C64-AB2F-927B-7855-D6CEFA85A7BA}"/>
+                <a16:creationId xmlns:a16="http://schemas.microsoft.com/office/drawing/2014/main" id="{C94D938B-C179-A4D8-512C-2F651E3FB056}"/>
               </a:ext>
             </a:extLst>
           </p:cNvPr>
@@ -236,7 +236,7 @@
           <p:cNvPr id="4" name="日期占位符 3">
             <a:extLst>
               <a:ext uri="{FF2B5EF4-FFF2-40B4-BE49-F238E27FC236}">
-                <a16:creationId xmlns:a16="http://schemas.microsoft.com/office/drawing/2014/main" id="{75A6C674-FE95-90E9-B992-C3E56E0E4299}"/>
+                <a16:creationId xmlns:a16="http://schemas.microsoft.com/office/drawing/2014/main" id="{8B33C165-5E3A-7E94-3F50-52641CD25022}"/>
               </a:ext>
             </a:extLst>
           </p:cNvPr>
@@ -252,7 +252,7 @@
           <a:bodyPr/>
           <a:lstStyle/>
           <a:p>
-            <a:fld id="{ED02F3F5-77AD-4609-97C4-FF4C1B35D5A0}" type="datetimeFigureOut">
+            <a:fld id="{4033F3EF-85DC-42CC-9657-7962BB2543D8}" type="datetimeFigureOut">
               <a:rPr lang="zh-CN" altLang="en-US" smtClean="0"/>
               <a:t>2024/3/10</a:t>
             </a:fld>
@@ -265,7 +265,7 @@
           <p:cNvPr id="5" name="页脚占位符 4">
             <a:extLst>
               <a:ext uri="{FF2B5EF4-FFF2-40B4-BE49-F238E27FC236}">
-                <a16:creationId xmlns:a16="http://schemas.microsoft.com/office/drawing/2014/main" id="{58C2D7B3-15D1-5579-C3D9-E617358ED69E}"/>
+                <a16:creationId xmlns:a16="http://schemas.microsoft.com/office/drawing/2014/main" id="{083467BC-91EE-8B61-E11F-877456259254}"/>
               </a:ext>
             </a:extLst>
           </p:cNvPr>
@@ -290,7 +290,7 @@
           <p:cNvPr id="6" name="灯片编号占位符 5">
             <a:extLst>
               <a:ext uri="{FF2B5EF4-FFF2-40B4-BE49-F238E27FC236}">
-                <a16:creationId xmlns:a16="http://schemas.microsoft.com/office/drawing/2014/main" id="{DE532F1D-F36B-7495-BA04-3024B31A4B0B}"/>
+                <a16:creationId xmlns:a16="http://schemas.microsoft.com/office/drawing/2014/main" id="{A5A3AD9A-BED3-7EC1-1350-15F7441EB648}"/>
               </a:ext>
             </a:extLst>
           </p:cNvPr>
@@ -306,7 +306,7 @@
           <a:bodyPr/>
           <a:lstStyle/>
           <a:p>
-            <a:fld id="{B8647799-5ED2-4191-8E70-0364ACEEAD8B}" type="slidenum">
+            <a:fld id="{BFB5AA8A-AE62-4AD4-975D-7FC9D3ED7E45}" type="slidenum">
               <a:rPr lang="zh-CN" altLang="en-US" smtClean="0"/>
               <a:t>‹#›</a:t>
             </a:fld>
@@ -317,7 +317,7 @@
     </p:spTree>
     <p:extLst>
       <p:ext uri="{BB962C8B-B14F-4D97-AF65-F5344CB8AC3E}">
-        <p14:creationId xmlns:p14="http://schemas.microsoft.com/office/powerpoint/2010/main" val="1518217482"/>
+        <p14:creationId xmlns:p14="http://schemas.microsoft.com/office/powerpoint/2010/main" val="4292976696"/>
       </p:ext>
     </p:extLst>
   </p:cSld>
@@ -349,7 +349,7 @@
           <p:cNvPr id="2" name="标题 1">
             <a:extLst>
               <a:ext uri="{FF2B5EF4-FFF2-40B4-BE49-F238E27FC236}">
-                <a16:creationId xmlns:a16="http://schemas.microsoft.com/office/drawing/2014/main" id="{E4AB8187-6272-9911-4A0C-E6D170A25FBE}"/>
+                <a16:creationId xmlns:a16="http://schemas.microsoft.com/office/drawing/2014/main" id="{6202A76F-80FB-0AB8-8F1B-A41A2E2E39C5}"/>
               </a:ext>
             </a:extLst>
           </p:cNvPr>
@@ -377,7 +377,7 @@
           <p:cNvPr id="3" name="竖排文字占位符 2">
             <a:extLst>
               <a:ext uri="{FF2B5EF4-FFF2-40B4-BE49-F238E27FC236}">
-                <a16:creationId xmlns:a16="http://schemas.microsoft.com/office/drawing/2014/main" id="{B707A2AC-027B-5D76-048B-1BB265422200}"/>
+                <a16:creationId xmlns:a16="http://schemas.microsoft.com/office/drawing/2014/main" id="{90A4A19E-E122-23A7-DD7E-C9FE50FACDC7}"/>
               </a:ext>
             </a:extLst>
           </p:cNvPr>
@@ -434,7 +434,7 @@
           <p:cNvPr id="4" name="日期占位符 3">
             <a:extLst>
               <a:ext uri="{FF2B5EF4-FFF2-40B4-BE49-F238E27FC236}">
-                <a16:creationId xmlns:a16="http://schemas.microsoft.com/office/drawing/2014/main" id="{AED79DED-532B-2303-C4BD-94DA4E3370CE}"/>
+                <a16:creationId xmlns:a16="http://schemas.microsoft.com/office/drawing/2014/main" id="{871BF20C-3D6E-BB0D-16A6-8474F4840804}"/>
               </a:ext>
             </a:extLst>
           </p:cNvPr>
@@ -450,7 +450,7 @@
           <a:bodyPr/>
           <a:lstStyle/>
           <a:p>
-            <a:fld id="{ED02F3F5-77AD-4609-97C4-FF4C1B35D5A0}" type="datetimeFigureOut">
+            <a:fld id="{4033F3EF-85DC-42CC-9657-7962BB2543D8}" type="datetimeFigureOut">
               <a:rPr lang="zh-CN" altLang="en-US" smtClean="0"/>
               <a:t>2024/3/10</a:t>
             </a:fld>
@@ -463,7 +463,7 @@
           <p:cNvPr id="5" name="页脚占位符 4">
             <a:extLst>
               <a:ext uri="{FF2B5EF4-FFF2-40B4-BE49-F238E27FC236}">
-                <a16:creationId xmlns:a16="http://schemas.microsoft.com/office/drawing/2014/main" id="{000951E3-B510-6026-3811-3F7AC70BD77C}"/>
+                <a16:creationId xmlns:a16="http://schemas.microsoft.com/office/drawing/2014/main" id="{0C6ED360-BA3F-BC32-DFFD-1236B10DD192}"/>
               </a:ext>
             </a:extLst>
           </p:cNvPr>
@@ -488,7 +488,7 @@
           <p:cNvPr id="6" name="灯片编号占位符 5">
             <a:extLst>
               <a:ext uri="{FF2B5EF4-FFF2-40B4-BE49-F238E27FC236}">
-                <a16:creationId xmlns:a16="http://schemas.microsoft.com/office/drawing/2014/main" id="{F6ECF75F-B889-9282-8FCE-EE2ECFC8531F}"/>
+                <a16:creationId xmlns:a16="http://schemas.microsoft.com/office/drawing/2014/main" id="{1AD9D269-C511-A612-E6F7-0A433A2ECB6B}"/>
               </a:ext>
             </a:extLst>
           </p:cNvPr>
@@ -504,7 +504,7 @@
           <a:bodyPr/>
           <a:lstStyle/>
           <a:p>
-            <a:fld id="{B8647799-5ED2-4191-8E70-0364ACEEAD8B}" type="slidenum">
+            <a:fld id="{BFB5AA8A-AE62-4AD4-975D-7FC9D3ED7E45}" type="slidenum">
               <a:rPr lang="zh-CN" altLang="en-US" smtClean="0"/>
               <a:t>‹#›</a:t>
             </a:fld>
@@ -515,7 +515,7 @@
     </p:spTree>
     <p:extLst>
       <p:ext uri="{BB962C8B-B14F-4D97-AF65-F5344CB8AC3E}">
-        <p14:creationId xmlns:p14="http://schemas.microsoft.com/office/powerpoint/2010/main" val="3897234767"/>
+        <p14:creationId xmlns:p14="http://schemas.microsoft.com/office/powerpoint/2010/main" val="3764379608"/>
       </p:ext>
     </p:extLst>
   </p:cSld>
@@ -547,7 +547,7 @@
           <p:cNvPr id="2" name="竖排标题 1">
             <a:extLst>
               <a:ext uri="{FF2B5EF4-FFF2-40B4-BE49-F238E27FC236}">
-                <a16:creationId xmlns:a16="http://schemas.microsoft.com/office/drawing/2014/main" id="{DC57ED83-9DFE-BD36-5FE8-60486381F273}"/>
+                <a16:creationId xmlns:a16="http://schemas.microsoft.com/office/drawing/2014/main" id="{EA93453B-A915-FB75-D36C-6F789782AB0D}"/>
               </a:ext>
             </a:extLst>
           </p:cNvPr>
@@ -580,7 +580,7 @@
           <p:cNvPr id="3" name="竖排文字占位符 2">
             <a:extLst>
               <a:ext uri="{FF2B5EF4-FFF2-40B4-BE49-F238E27FC236}">
-                <a16:creationId xmlns:a16="http://schemas.microsoft.com/office/drawing/2014/main" id="{98F370DD-A538-FC18-7AF8-F29E30094028}"/>
+                <a16:creationId xmlns:a16="http://schemas.microsoft.com/office/drawing/2014/main" id="{36AD3ADE-F765-C412-5B1C-F593153A4DEF}"/>
               </a:ext>
             </a:extLst>
           </p:cNvPr>
@@ -642,7 +642,7 @@
           <p:cNvPr id="4" name="日期占位符 3">
             <a:extLst>
               <a:ext uri="{FF2B5EF4-FFF2-40B4-BE49-F238E27FC236}">
-                <a16:creationId xmlns:a16="http://schemas.microsoft.com/office/drawing/2014/main" id="{2B2BA49C-1392-35BE-E94C-2B8B6F256578}"/>
+                <a16:creationId xmlns:a16="http://schemas.microsoft.com/office/drawing/2014/main" id="{3712FF2A-A809-84F2-19E2-E7F81943B737}"/>
               </a:ext>
             </a:extLst>
           </p:cNvPr>
@@ -658,7 +658,7 @@
           <a:bodyPr/>
           <a:lstStyle/>
           <a:p>
-            <a:fld id="{ED02F3F5-77AD-4609-97C4-FF4C1B35D5A0}" type="datetimeFigureOut">
+            <a:fld id="{4033F3EF-85DC-42CC-9657-7962BB2543D8}" type="datetimeFigureOut">
               <a:rPr lang="zh-CN" altLang="en-US" smtClean="0"/>
               <a:t>2024/3/10</a:t>
             </a:fld>
@@ -671,7 +671,7 @@
           <p:cNvPr id="5" name="页脚占位符 4">
             <a:extLst>
               <a:ext uri="{FF2B5EF4-FFF2-40B4-BE49-F238E27FC236}">
-                <a16:creationId xmlns:a16="http://schemas.microsoft.com/office/drawing/2014/main" id="{D29C19EE-ED48-49C6-9E59-952FA87ED836}"/>
+                <a16:creationId xmlns:a16="http://schemas.microsoft.com/office/drawing/2014/main" id="{3F93EACA-2050-A3D8-E3C4-153E18BA86BD}"/>
               </a:ext>
             </a:extLst>
           </p:cNvPr>
@@ -696,7 +696,7 @@
           <p:cNvPr id="6" name="灯片编号占位符 5">
             <a:extLst>
               <a:ext uri="{FF2B5EF4-FFF2-40B4-BE49-F238E27FC236}">
-                <a16:creationId xmlns:a16="http://schemas.microsoft.com/office/drawing/2014/main" id="{6BDA6D61-96D6-204A-A9DD-9B5AF575E48E}"/>
+                <a16:creationId xmlns:a16="http://schemas.microsoft.com/office/drawing/2014/main" id="{5AD21255-5FF0-7319-BDF8-FBF481C37A4D}"/>
               </a:ext>
             </a:extLst>
           </p:cNvPr>
@@ -712,7 +712,7 @@
           <a:bodyPr/>
           <a:lstStyle/>
           <a:p>
-            <a:fld id="{B8647799-5ED2-4191-8E70-0364ACEEAD8B}" type="slidenum">
+            <a:fld id="{BFB5AA8A-AE62-4AD4-975D-7FC9D3ED7E45}" type="slidenum">
               <a:rPr lang="zh-CN" altLang="en-US" smtClean="0"/>
               <a:t>‹#›</a:t>
             </a:fld>
@@ -723,7 +723,7 @@
     </p:spTree>
     <p:extLst>
       <p:ext uri="{BB962C8B-B14F-4D97-AF65-F5344CB8AC3E}">
-        <p14:creationId xmlns:p14="http://schemas.microsoft.com/office/powerpoint/2010/main" val="4168219563"/>
+        <p14:creationId xmlns:p14="http://schemas.microsoft.com/office/powerpoint/2010/main" val="1075792753"/>
       </p:ext>
     </p:extLst>
   </p:cSld>
@@ -755,7 +755,7 @@
           <p:cNvPr id="2" name="标题 1">
             <a:extLst>
               <a:ext uri="{FF2B5EF4-FFF2-40B4-BE49-F238E27FC236}">
-                <a16:creationId xmlns:a16="http://schemas.microsoft.com/office/drawing/2014/main" id="{B5FE9C03-ACCC-BA1C-3015-0BDB96F9E686}"/>
+                <a16:creationId xmlns:a16="http://schemas.microsoft.com/office/drawing/2014/main" id="{4C4CDF96-E1AD-0687-8218-E5B470F16E95}"/>
               </a:ext>
             </a:extLst>
           </p:cNvPr>
@@ -783,7 +783,7 @@
           <p:cNvPr id="3" name="内容占位符 2">
             <a:extLst>
               <a:ext uri="{FF2B5EF4-FFF2-40B4-BE49-F238E27FC236}">
-                <a16:creationId xmlns:a16="http://schemas.microsoft.com/office/drawing/2014/main" id="{71098598-1F7F-3AB1-9EDE-62C8CD856092}"/>
+                <a16:creationId xmlns:a16="http://schemas.microsoft.com/office/drawing/2014/main" id="{E1BF9184-2284-7973-D3E1-568C870C91C9}"/>
               </a:ext>
             </a:extLst>
           </p:cNvPr>
@@ -840,7 +840,7 @@
           <p:cNvPr id="4" name="日期占位符 3">
             <a:extLst>
               <a:ext uri="{FF2B5EF4-FFF2-40B4-BE49-F238E27FC236}">
-                <a16:creationId xmlns:a16="http://schemas.microsoft.com/office/drawing/2014/main" id="{1FDF7E5D-E848-5F2B-9245-68D5B17E1F1A}"/>
+                <a16:creationId xmlns:a16="http://schemas.microsoft.com/office/drawing/2014/main" id="{4F02724E-95D7-5994-1B29-23D1276B9023}"/>
               </a:ext>
             </a:extLst>
           </p:cNvPr>
@@ -856,7 +856,7 @@
           <a:bodyPr/>
           <a:lstStyle/>
           <a:p>
-            <a:fld id="{ED02F3F5-77AD-4609-97C4-FF4C1B35D5A0}" type="datetimeFigureOut">
+            <a:fld id="{4033F3EF-85DC-42CC-9657-7962BB2543D8}" type="datetimeFigureOut">
               <a:rPr lang="zh-CN" altLang="en-US" smtClean="0"/>
               <a:t>2024/3/10</a:t>
             </a:fld>
@@ -869,7 +869,7 @@
           <p:cNvPr id="5" name="页脚占位符 4">
             <a:extLst>
               <a:ext uri="{FF2B5EF4-FFF2-40B4-BE49-F238E27FC236}">
-                <a16:creationId xmlns:a16="http://schemas.microsoft.com/office/drawing/2014/main" id="{E84D1B06-00E3-FEB5-AD77-410C331F542D}"/>
+                <a16:creationId xmlns:a16="http://schemas.microsoft.com/office/drawing/2014/main" id="{ACCC88A4-A9EA-143F-53D7-600570CA101F}"/>
               </a:ext>
             </a:extLst>
           </p:cNvPr>
@@ -894,7 +894,7 @@
           <p:cNvPr id="6" name="灯片编号占位符 5">
             <a:extLst>
               <a:ext uri="{FF2B5EF4-FFF2-40B4-BE49-F238E27FC236}">
-                <a16:creationId xmlns:a16="http://schemas.microsoft.com/office/drawing/2014/main" id="{C016B4F5-4B99-52F4-476A-FAAC316DE725}"/>
+                <a16:creationId xmlns:a16="http://schemas.microsoft.com/office/drawing/2014/main" id="{6E1E78A4-A974-FB93-A89D-14E6CB587361}"/>
               </a:ext>
             </a:extLst>
           </p:cNvPr>
@@ -910,7 +910,7 @@
           <a:bodyPr/>
           <a:lstStyle/>
           <a:p>
-            <a:fld id="{B8647799-5ED2-4191-8E70-0364ACEEAD8B}" type="slidenum">
+            <a:fld id="{BFB5AA8A-AE62-4AD4-975D-7FC9D3ED7E45}" type="slidenum">
               <a:rPr lang="zh-CN" altLang="en-US" smtClean="0"/>
               <a:t>‹#›</a:t>
             </a:fld>
@@ -921,7 +921,7 @@
     </p:spTree>
     <p:extLst>
       <p:ext uri="{BB962C8B-B14F-4D97-AF65-F5344CB8AC3E}">
-        <p14:creationId xmlns:p14="http://schemas.microsoft.com/office/powerpoint/2010/main" val="1190624812"/>
+        <p14:creationId xmlns:p14="http://schemas.microsoft.com/office/powerpoint/2010/main" val="2553541949"/>
       </p:ext>
     </p:extLst>
   </p:cSld>
@@ -953,7 +953,7 @@
           <p:cNvPr id="2" name="标题 1">
             <a:extLst>
               <a:ext uri="{FF2B5EF4-FFF2-40B4-BE49-F238E27FC236}">
-                <a16:creationId xmlns:a16="http://schemas.microsoft.com/office/drawing/2014/main" id="{1AFCE851-0683-C69F-247D-07E9680E3557}"/>
+                <a16:creationId xmlns:a16="http://schemas.microsoft.com/office/drawing/2014/main" id="{AABC565D-6AEA-FBA3-8E0A-686EDBD12A22}"/>
               </a:ext>
             </a:extLst>
           </p:cNvPr>
@@ -990,7 +990,7 @@
           <p:cNvPr id="3" name="文本占位符 2">
             <a:extLst>
               <a:ext uri="{FF2B5EF4-FFF2-40B4-BE49-F238E27FC236}">
-                <a16:creationId xmlns:a16="http://schemas.microsoft.com/office/drawing/2014/main" id="{290E59B6-1A08-7EBF-DC48-F822F8E5C22F}"/>
+                <a16:creationId xmlns:a16="http://schemas.microsoft.com/office/drawing/2014/main" id="{A6ED5F66-11EE-C9C7-0D1F-2D85C1C36C46}"/>
               </a:ext>
             </a:extLst>
           </p:cNvPr>
@@ -1115,7 +1115,7 @@
           <p:cNvPr id="4" name="日期占位符 3">
             <a:extLst>
               <a:ext uri="{FF2B5EF4-FFF2-40B4-BE49-F238E27FC236}">
-                <a16:creationId xmlns:a16="http://schemas.microsoft.com/office/drawing/2014/main" id="{57AECA2C-D6F9-A4F9-F96E-9E44148D2A1B}"/>
+                <a16:creationId xmlns:a16="http://schemas.microsoft.com/office/drawing/2014/main" id="{10AB0EA1-511F-2025-D7CF-039F035EFBCB}"/>
               </a:ext>
             </a:extLst>
           </p:cNvPr>
@@ -1131,7 +1131,7 @@
           <a:bodyPr/>
           <a:lstStyle/>
           <a:p>
-            <a:fld id="{ED02F3F5-77AD-4609-97C4-FF4C1B35D5A0}" type="datetimeFigureOut">
+            <a:fld id="{4033F3EF-85DC-42CC-9657-7962BB2543D8}" type="datetimeFigureOut">
               <a:rPr lang="zh-CN" altLang="en-US" smtClean="0"/>
               <a:t>2024/3/10</a:t>
             </a:fld>
@@ -1144,7 +1144,7 @@
           <p:cNvPr id="5" name="页脚占位符 4">
             <a:extLst>
               <a:ext uri="{FF2B5EF4-FFF2-40B4-BE49-F238E27FC236}">
-                <a16:creationId xmlns:a16="http://schemas.microsoft.com/office/drawing/2014/main" id="{233C7092-E3A2-D717-F6E6-810FF171587C}"/>
+                <a16:creationId xmlns:a16="http://schemas.microsoft.com/office/drawing/2014/main" id="{A09BCBE6-2DBF-BFD5-2E11-C2A1B137CC67}"/>
               </a:ext>
             </a:extLst>
           </p:cNvPr>
@@ -1169,7 +1169,7 @@
           <p:cNvPr id="6" name="灯片编号占位符 5">
             <a:extLst>
               <a:ext uri="{FF2B5EF4-FFF2-40B4-BE49-F238E27FC236}">
-                <a16:creationId xmlns:a16="http://schemas.microsoft.com/office/drawing/2014/main" id="{2DA27B96-AF20-6F23-6584-FED08A7F66C9}"/>
+                <a16:creationId xmlns:a16="http://schemas.microsoft.com/office/drawing/2014/main" id="{BF4CDB9C-1B6E-7E09-D735-AEEA04B600EF}"/>
               </a:ext>
             </a:extLst>
           </p:cNvPr>
@@ -1185,7 +1185,7 @@
           <a:bodyPr/>
           <a:lstStyle/>
           <a:p>
-            <a:fld id="{B8647799-5ED2-4191-8E70-0364ACEEAD8B}" type="slidenum">
+            <a:fld id="{BFB5AA8A-AE62-4AD4-975D-7FC9D3ED7E45}" type="slidenum">
               <a:rPr lang="zh-CN" altLang="en-US" smtClean="0"/>
               <a:t>‹#›</a:t>
             </a:fld>
@@ -1196,7 +1196,7 @@
     </p:spTree>
     <p:extLst>
       <p:ext uri="{BB962C8B-B14F-4D97-AF65-F5344CB8AC3E}">
-        <p14:creationId xmlns:p14="http://schemas.microsoft.com/office/powerpoint/2010/main" val="3896333541"/>
+        <p14:creationId xmlns:p14="http://schemas.microsoft.com/office/powerpoint/2010/main" val="3391905809"/>
       </p:ext>
     </p:extLst>
   </p:cSld>
@@ -1228,7 +1228,7 @@
           <p:cNvPr id="2" name="标题 1">
             <a:extLst>
               <a:ext uri="{FF2B5EF4-FFF2-40B4-BE49-F238E27FC236}">
-                <a16:creationId xmlns:a16="http://schemas.microsoft.com/office/drawing/2014/main" id="{C493F50A-CF67-48F9-D277-84C6BF01579E}"/>
+                <a16:creationId xmlns:a16="http://schemas.microsoft.com/office/drawing/2014/main" id="{05238937-37AF-5A22-6A24-B1C00A3F9094}"/>
               </a:ext>
             </a:extLst>
           </p:cNvPr>
@@ -1256,7 +1256,7 @@
           <p:cNvPr id="3" name="内容占位符 2">
             <a:extLst>
               <a:ext uri="{FF2B5EF4-FFF2-40B4-BE49-F238E27FC236}">
-                <a16:creationId xmlns:a16="http://schemas.microsoft.com/office/drawing/2014/main" id="{D8F2BA10-DF0F-6B63-ADD9-AC28594F2F5F}"/>
+                <a16:creationId xmlns:a16="http://schemas.microsoft.com/office/drawing/2014/main" id="{89001CF1-166B-57E7-7A59-FFF65BE9941D}"/>
               </a:ext>
             </a:extLst>
           </p:cNvPr>
@@ -1318,7 +1318,7 @@
           <p:cNvPr id="4" name="内容占位符 3">
             <a:extLst>
               <a:ext uri="{FF2B5EF4-FFF2-40B4-BE49-F238E27FC236}">
-                <a16:creationId xmlns:a16="http://schemas.microsoft.com/office/drawing/2014/main" id="{7BC0542C-BF88-F51A-E419-3B7C1D9E6C83}"/>
+                <a16:creationId xmlns:a16="http://schemas.microsoft.com/office/drawing/2014/main" id="{92BEF4B5-717F-1AF3-A2DB-EF8360681B7A}"/>
               </a:ext>
             </a:extLst>
           </p:cNvPr>
@@ -1380,7 +1380,7 @@
           <p:cNvPr id="5" name="日期占位符 4">
             <a:extLst>
               <a:ext uri="{FF2B5EF4-FFF2-40B4-BE49-F238E27FC236}">
-                <a16:creationId xmlns:a16="http://schemas.microsoft.com/office/drawing/2014/main" id="{A3DC9E3C-EADF-44D5-317D-E03B439CA203}"/>
+                <a16:creationId xmlns:a16="http://schemas.microsoft.com/office/drawing/2014/main" id="{3D15F059-0EFE-36DB-7475-D783CC605AC0}"/>
               </a:ext>
             </a:extLst>
           </p:cNvPr>
@@ -1396,7 +1396,7 @@
           <a:bodyPr/>
           <a:lstStyle/>
           <a:p>
-            <a:fld id="{ED02F3F5-77AD-4609-97C4-FF4C1B35D5A0}" type="datetimeFigureOut">
+            <a:fld id="{4033F3EF-85DC-42CC-9657-7962BB2543D8}" type="datetimeFigureOut">
               <a:rPr lang="zh-CN" altLang="en-US" smtClean="0"/>
               <a:t>2024/3/10</a:t>
             </a:fld>
@@ -1409,7 +1409,7 @@
           <p:cNvPr id="6" name="页脚占位符 5">
             <a:extLst>
               <a:ext uri="{FF2B5EF4-FFF2-40B4-BE49-F238E27FC236}">
-                <a16:creationId xmlns:a16="http://schemas.microsoft.com/office/drawing/2014/main" id="{D743B564-FD13-B43C-2FEE-BA7C23478CA9}"/>
+                <a16:creationId xmlns:a16="http://schemas.microsoft.com/office/drawing/2014/main" id="{8C71DFFD-CE21-7286-0E55-0161D3A89AD8}"/>
               </a:ext>
             </a:extLst>
           </p:cNvPr>
@@ -1434,7 +1434,7 @@
           <p:cNvPr id="7" name="灯片编号占位符 6">
             <a:extLst>
               <a:ext uri="{FF2B5EF4-FFF2-40B4-BE49-F238E27FC236}">
-                <a16:creationId xmlns:a16="http://schemas.microsoft.com/office/drawing/2014/main" id="{0E3D51DA-EEF0-8991-978A-8E6955325640}"/>
+                <a16:creationId xmlns:a16="http://schemas.microsoft.com/office/drawing/2014/main" id="{A2E11000-5114-B6D3-C6B9-DC08726DB61F}"/>
               </a:ext>
             </a:extLst>
           </p:cNvPr>
@@ -1450,7 +1450,7 @@
           <a:bodyPr/>
           <a:lstStyle/>
           <a:p>
-            <a:fld id="{B8647799-5ED2-4191-8E70-0364ACEEAD8B}" type="slidenum">
+            <a:fld id="{BFB5AA8A-AE62-4AD4-975D-7FC9D3ED7E45}" type="slidenum">
               <a:rPr lang="zh-CN" altLang="en-US" smtClean="0"/>
               <a:t>‹#›</a:t>
             </a:fld>
@@ -1461,7 +1461,7 @@
     </p:spTree>
     <p:extLst>
       <p:ext uri="{BB962C8B-B14F-4D97-AF65-F5344CB8AC3E}">
-        <p14:creationId xmlns:p14="http://schemas.microsoft.com/office/powerpoint/2010/main" val="2920336780"/>
+        <p14:creationId xmlns:p14="http://schemas.microsoft.com/office/powerpoint/2010/main" val="2977136443"/>
       </p:ext>
     </p:extLst>
   </p:cSld>
@@ -1493,7 +1493,7 @@
           <p:cNvPr id="2" name="标题 1">
             <a:extLst>
               <a:ext uri="{FF2B5EF4-FFF2-40B4-BE49-F238E27FC236}">
-                <a16:creationId xmlns:a16="http://schemas.microsoft.com/office/drawing/2014/main" id="{67209A1E-C0F5-5FDB-F743-D17A47084108}"/>
+                <a16:creationId xmlns:a16="http://schemas.microsoft.com/office/drawing/2014/main" id="{5D1CB93A-D84E-5389-D135-49EE5537BBE5}"/>
               </a:ext>
             </a:extLst>
           </p:cNvPr>
@@ -1526,7 +1526,7 @@
           <p:cNvPr id="3" name="文本占位符 2">
             <a:extLst>
               <a:ext uri="{FF2B5EF4-FFF2-40B4-BE49-F238E27FC236}">
-                <a16:creationId xmlns:a16="http://schemas.microsoft.com/office/drawing/2014/main" id="{81B07658-5CB9-E1BB-AE79-2F5A24B989F0}"/>
+                <a16:creationId xmlns:a16="http://schemas.microsoft.com/office/drawing/2014/main" id="{E24051EF-7F37-B676-A226-11F809A67917}"/>
               </a:ext>
             </a:extLst>
           </p:cNvPr>
@@ -1597,7 +1597,7 @@
           <p:cNvPr id="4" name="内容占位符 3">
             <a:extLst>
               <a:ext uri="{FF2B5EF4-FFF2-40B4-BE49-F238E27FC236}">
-                <a16:creationId xmlns:a16="http://schemas.microsoft.com/office/drawing/2014/main" id="{C1645821-F0DF-18B7-ED01-0D75F1FEAF61}"/>
+                <a16:creationId xmlns:a16="http://schemas.microsoft.com/office/drawing/2014/main" id="{0B91C2EF-4F97-2CB4-7CF1-F7D1EB5DD6A5}"/>
               </a:ext>
             </a:extLst>
           </p:cNvPr>
@@ -1659,7 +1659,7 @@
           <p:cNvPr id="5" name="文本占位符 4">
             <a:extLst>
               <a:ext uri="{FF2B5EF4-FFF2-40B4-BE49-F238E27FC236}">
-                <a16:creationId xmlns:a16="http://schemas.microsoft.com/office/drawing/2014/main" id="{123BFACF-82AF-B8D8-45ED-73DF3852447A}"/>
+                <a16:creationId xmlns:a16="http://schemas.microsoft.com/office/drawing/2014/main" id="{CDAB2D25-E959-96FD-21C2-60B89108C75E}"/>
               </a:ext>
             </a:extLst>
           </p:cNvPr>
@@ -1730,7 +1730,7 @@
           <p:cNvPr id="6" name="内容占位符 5">
             <a:extLst>
               <a:ext uri="{FF2B5EF4-FFF2-40B4-BE49-F238E27FC236}">
-                <a16:creationId xmlns:a16="http://schemas.microsoft.com/office/drawing/2014/main" id="{783F2D97-C5C3-449C-EA1B-4075F200AF05}"/>
+                <a16:creationId xmlns:a16="http://schemas.microsoft.com/office/drawing/2014/main" id="{E0D294C7-AD94-A844-DF52-BA91597E2CAF}"/>
               </a:ext>
             </a:extLst>
           </p:cNvPr>
@@ -1792,7 +1792,7 @@
           <p:cNvPr id="7" name="日期占位符 6">
             <a:extLst>
               <a:ext uri="{FF2B5EF4-FFF2-40B4-BE49-F238E27FC236}">
-                <a16:creationId xmlns:a16="http://schemas.microsoft.com/office/drawing/2014/main" id="{BD457749-A110-1261-07A6-7935CE528BDE}"/>
+                <a16:creationId xmlns:a16="http://schemas.microsoft.com/office/drawing/2014/main" id="{A45A95DE-2BC3-D48E-FB4F-D394AAC7976B}"/>
               </a:ext>
             </a:extLst>
           </p:cNvPr>
@@ -1808,7 +1808,7 @@
           <a:bodyPr/>
           <a:lstStyle/>
           <a:p>
-            <a:fld id="{ED02F3F5-77AD-4609-97C4-FF4C1B35D5A0}" type="datetimeFigureOut">
+            <a:fld id="{4033F3EF-85DC-42CC-9657-7962BB2543D8}" type="datetimeFigureOut">
               <a:rPr lang="zh-CN" altLang="en-US" smtClean="0"/>
               <a:t>2024/3/10</a:t>
             </a:fld>
@@ -1821,7 +1821,7 @@
           <p:cNvPr id="8" name="页脚占位符 7">
             <a:extLst>
               <a:ext uri="{FF2B5EF4-FFF2-40B4-BE49-F238E27FC236}">
-                <a16:creationId xmlns:a16="http://schemas.microsoft.com/office/drawing/2014/main" id="{59E9E9BF-E538-8E8C-AEB4-60D426FF3D17}"/>
+                <a16:creationId xmlns:a16="http://schemas.microsoft.com/office/drawing/2014/main" id="{05BAB090-3206-2E28-F04D-1AF46016A5AF}"/>
               </a:ext>
             </a:extLst>
           </p:cNvPr>
@@ -1846,7 +1846,7 @@
           <p:cNvPr id="9" name="灯片编号占位符 8">
             <a:extLst>
               <a:ext uri="{FF2B5EF4-FFF2-40B4-BE49-F238E27FC236}">
-                <a16:creationId xmlns:a16="http://schemas.microsoft.com/office/drawing/2014/main" id="{EB749552-81DB-6CD1-6783-43A7AD0676C4}"/>
+                <a16:creationId xmlns:a16="http://schemas.microsoft.com/office/drawing/2014/main" id="{2EF9D2E4-6CEE-15D6-6692-B7A78DB98DEE}"/>
               </a:ext>
             </a:extLst>
           </p:cNvPr>
@@ -1862,7 +1862,7 @@
           <a:bodyPr/>
           <a:lstStyle/>
           <a:p>
-            <a:fld id="{B8647799-5ED2-4191-8E70-0364ACEEAD8B}" type="slidenum">
+            <a:fld id="{BFB5AA8A-AE62-4AD4-975D-7FC9D3ED7E45}" type="slidenum">
               <a:rPr lang="zh-CN" altLang="en-US" smtClean="0"/>
               <a:t>‹#›</a:t>
             </a:fld>
@@ -1873,7 +1873,7 @@
     </p:spTree>
     <p:extLst>
       <p:ext uri="{BB962C8B-B14F-4D97-AF65-F5344CB8AC3E}">
-        <p14:creationId xmlns:p14="http://schemas.microsoft.com/office/powerpoint/2010/main" val="3588801069"/>
+        <p14:creationId xmlns:p14="http://schemas.microsoft.com/office/powerpoint/2010/main" val="372999217"/>
       </p:ext>
     </p:extLst>
   </p:cSld>
@@ -1905,7 +1905,7 @@
           <p:cNvPr id="2" name="标题 1">
             <a:extLst>
               <a:ext uri="{FF2B5EF4-FFF2-40B4-BE49-F238E27FC236}">
-                <a16:creationId xmlns:a16="http://schemas.microsoft.com/office/drawing/2014/main" id="{C4A9231E-FFEC-ED87-6802-BE655C41D397}"/>
+                <a16:creationId xmlns:a16="http://schemas.microsoft.com/office/drawing/2014/main" id="{56EC95D7-0F4E-F550-1FF7-72BF37EFF6EF}"/>
               </a:ext>
             </a:extLst>
           </p:cNvPr>
@@ -1933,7 +1933,7 @@
           <p:cNvPr id="3" name="日期占位符 2">
             <a:extLst>
               <a:ext uri="{FF2B5EF4-FFF2-40B4-BE49-F238E27FC236}">
-                <a16:creationId xmlns:a16="http://schemas.microsoft.com/office/drawing/2014/main" id="{D5B080A6-1799-FE87-27AB-6F7C1FDA964A}"/>
+                <a16:creationId xmlns:a16="http://schemas.microsoft.com/office/drawing/2014/main" id="{220FA8CF-A6CD-F943-3DD6-E2EA02EE5AA2}"/>
               </a:ext>
             </a:extLst>
           </p:cNvPr>
@@ -1949,7 +1949,7 @@
           <a:bodyPr/>
           <a:lstStyle/>
           <a:p>
-            <a:fld id="{ED02F3F5-77AD-4609-97C4-FF4C1B35D5A0}" type="datetimeFigureOut">
+            <a:fld id="{4033F3EF-85DC-42CC-9657-7962BB2543D8}" type="datetimeFigureOut">
               <a:rPr lang="zh-CN" altLang="en-US" smtClean="0"/>
               <a:t>2024/3/10</a:t>
             </a:fld>
@@ -1962,7 +1962,7 @@
           <p:cNvPr id="4" name="页脚占位符 3">
             <a:extLst>
               <a:ext uri="{FF2B5EF4-FFF2-40B4-BE49-F238E27FC236}">
-                <a16:creationId xmlns:a16="http://schemas.microsoft.com/office/drawing/2014/main" id="{03AB53AA-B526-CE70-E080-917EE76B97F4}"/>
+                <a16:creationId xmlns:a16="http://schemas.microsoft.com/office/drawing/2014/main" id="{3969F70B-C134-DD80-16D9-20D093FB75E3}"/>
               </a:ext>
             </a:extLst>
           </p:cNvPr>
@@ -1987,7 +1987,7 @@
           <p:cNvPr id="5" name="灯片编号占位符 4">
             <a:extLst>
               <a:ext uri="{FF2B5EF4-FFF2-40B4-BE49-F238E27FC236}">
-                <a16:creationId xmlns:a16="http://schemas.microsoft.com/office/drawing/2014/main" id="{493E15A9-BF42-1B29-3F60-C5AFA69F8EC0}"/>
+                <a16:creationId xmlns:a16="http://schemas.microsoft.com/office/drawing/2014/main" id="{B5E46B49-EC9C-5A2D-5624-279477031118}"/>
               </a:ext>
             </a:extLst>
           </p:cNvPr>
@@ -2003,7 +2003,7 @@
           <a:bodyPr/>
           <a:lstStyle/>
           <a:p>
-            <a:fld id="{B8647799-5ED2-4191-8E70-0364ACEEAD8B}" type="slidenum">
+            <a:fld id="{BFB5AA8A-AE62-4AD4-975D-7FC9D3ED7E45}" type="slidenum">
               <a:rPr lang="zh-CN" altLang="en-US" smtClean="0"/>
               <a:t>‹#›</a:t>
             </a:fld>
@@ -2014,7 +2014,7 @@
     </p:spTree>
     <p:extLst>
       <p:ext uri="{BB962C8B-B14F-4D97-AF65-F5344CB8AC3E}">
-        <p14:creationId xmlns:p14="http://schemas.microsoft.com/office/powerpoint/2010/main" val="385911554"/>
+        <p14:creationId xmlns:p14="http://schemas.microsoft.com/office/powerpoint/2010/main" val="163375915"/>
       </p:ext>
     </p:extLst>
   </p:cSld>
@@ -2046,7 +2046,7 @@
           <p:cNvPr id="2" name="日期占位符 1">
             <a:extLst>
               <a:ext uri="{FF2B5EF4-FFF2-40B4-BE49-F238E27FC236}">
-                <a16:creationId xmlns:a16="http://schemas.microsoft.com/office/drawing/2014/main" id="{D00E518C-5918-A2DE-723D-9F11AE42688E}"/>
+                <a16:creationId xmlns:a16="http://schemas.microsoft.com/office/drawing/2014/main" id="{BEDBD51A-83CE-C7A1-FEEF-E337198BD156}"/>
               </a:ext>
             </a:extLst>
           </p:cNvPr>
@@ -2062,7 +2062,7 @@
           <a:bodyPr/>
           <a:lstStyle/>
           <a:p>
-            <a:fld id="{ED02F3F5-77AD-4609-97C4-FF4C1B35D5A0}" type="datetimeFigureOut">
+            <a:fld id="{4033F3EF-85DC-42CC-9657-7962BB2543D8}" type="datetimeFigureOut">
               <a:rPr lang="zh-CN" altLang="en-US" smtClean="0"/>
               <a:t>2024/3/10</a:t>
             </a:fld>
@@ -2075,7 +2075,7 @@
           <p:cNvPr id="3" name="页脚占位符 2">
             <a:extLst>
               <a:ext uri="{FF2B5EF4-FFF2-40B4-BE49-F238E27FC236}">
-                <a16:creationId xmlns:a16="http://schemas.microsoft.com/office/drawing/2014/main" id="{9EC8A44A-384F-678D-1558-4CEBBD417250}"/>
+                <a16:creationId xmlns:a16="http://schemas.microsoft.com/office/drawing/2014/main" id="{F2230A38-D5FF-2A64-0AAD-3463FA3367FA}"/>
               </a:ext>
             </a:extLst>
           </p:cNvPr>
@@ -2100,7 +2100,7 @@
           <p:cNvPr id="4" name="灯片编号占位符 3">
             <a:extLst>
               <a:ext uri="{FF2B5EF4-FFF2-40B4-BE49-F238E27FC236}">
-                <a16:creationId xmlns:a16="http://schemas.microsoft.com/office/drawing/2014/main" id="{E794F252-BDE4-7425-AAED-1E27FE7718E7}"/>
+                <a16:creationId xmlns:a16="http://schemas.microsoft.com/office/drawing/2014/main" id="{62E33208-011B-A294-A573-B0F6322060A1}"/>
               </a:ext>
             </a:extLst>
           </p:cNvPr>
@@ -2116,7 +2116,7 @@
           <a:bodyPr/>
           <a:lstStyle/>
           <a:p>
-            <a:fld id="{B8647799-5ED2-4191-8E70-0364ACEEAD8B}" type="slidenum">
+            <a:fld id="{BFB5AA8A-AE62-4AD4-975D-7FC9D3ED7E45}" type="slidenum">
               <a:rPr lang="zh-CN" altLang="en-US" smtClean="0"/>
               <a:t>‹#›</a:t>
             </a:fld>
@@ -2127,7 +2127,7 @@
     </p:spTree>
     <p:extLst>
       <p:ext uri="{BB962C8B-B14F-4D97-AF65-F5344CB8AC3E}">
-        <p14:creationId xmlns:p14="http://schemas.microsoft.com/office/powerpoint/2010/main" val="1538655481"/>
+        <p14:creationId xmlns:p14="http://schemas.microsoft.com/office/powerpoint/2010/main" val="2029727813"/>
       </p:ext>
     </p:extLst>
   </p:cSld>
@@ -2159,7 +2159,7 @@
           <p:cNvPr id="2" name="标题 1">
             <a:extLst>
               <a:ext uri="{FF2B5EF4-FFF2-40B4-BE49-F238E27FC236}">
-                <a16:creationId xmlns:a16="http://schemas.microsoft.com/office/drawing/2014/main" id="{3031A6A2-59DB-1520-6C6D-A8FB7ACF281B}"/>
+                <a16:creationId xmlns:a16="http://schemas.microsoft.com/office/drawing/2014/main" id="{1B0D2479-20C5-3F38-D573-1633600AF309}"/>
               </a:ext>
             </a:extLst>
           </p:cNvPr>
@@ -2196,7 +2196,7 @@
           <p:cNvPr id="3" name="内容占位符 2">
             <a:extLst>
               <a:ext uri="{FF2B5EF4-FFF2-40B4-BE49-F238E27FC236}">
-                <a16:creationId xmlns:a16="http://schemas.microsoft.com/office/drawing/2014/main" id="{E1498EA2-A548-2613-B6ED-817B584F0E73}"/>
+                <a16:creationId xmlns:a16="http://schemas.microsoft.com/office/drawing/2014/main" id="{109B232F-5710-9104-2FED-CC287288B2AF}"/>
               </a:ext>
             </a:extLst>
           </p:cNvPr>
@@ -2286,7 +2286,7 @@
           <p:cNvPr id="4" name="文本占位符 3">
             <a:extLst>
               <a:ext uri="{FF2B5EF4-FFF2-40B4-BE49-F238E27FC236}">
-                <a16:creationId xmlns:a16="http://schemas.microsoft.com/office/drawing/2014/main" id="{96562C81-00BF-33A8-8C88-7CE378FE5FF8}"/>
+                <a16:creationId xmlns:a16="http://schemas.microsoft.com/office/drawing/2014/main" id="{E49CCBC2-473A-EA13-64BD-E9F62F493EEB}"/>
               </a:ext>
             </a:extLst>
           </p:cNvPr>
@@ -2357,7 +2357,7 @@
           <p:cNvPr id="5" name="日期占位符 4">
             <a:extLst>
               <a:ext uri="{FF2B5EF4-FFF2-40B4-BE49-F238E27FC236}">
-                <a16:creationId xmlns:a16="http://schemas.microsoft.com/office/drawing/2014/main" id="{0452762E-653E-C99D-8456-19E448F396A2}"/>
+                <a16:creationId xmlns:a16="http://schemas.microsoft.com/office/drawing/2014/main" id="{1AA38553-4B49-8465-7390-7D8F014553F2}"/>
               </a:ext>
             </a:extLst>
           </p:cNvPr>
@@ -2373,7 +2373,7 @@
           <a:bodyPr/>
           <a:lstStyle/>
           <a:p>
-            <a:fld id="{ED02F3F5-77AD-4609-97C4-FF4C1B35D5A0}" type="datetimeFigureOut">
+            <a:fld id="{4033F3EF-85DC-42CC-9657-7962BB2543D8}" type="datetimeFigureOut">
               <a:rPr lang="zh-CN" altLang="en-US" smtClean="0"/>
               <a:t>2024/3/10</a:t>
             </a:fld>
@@ -2386,7 +2386,7 @@
           <p:cNvPr id="6" name="页脚占位符 5">
             <a:extLst>
               <a:ext uri="{FF2B5EF4-FFF2-40B4-BE49-F238E27FC236}">
-                <a16:creationId xmlns:a16="http://schemas.microsoft.com/office/drawing/2014/main" id="{4B61BBF9-B883-5131-87EA-F2D9BD65555D}"/>
+                <a16:creationId xmlns:a16="http://schemas.microsoft.com/office/drawing/2014/main" id="{4FBB8907-13C9-89EF-0F49-49CDE4F99E11}"/>
               </a:ext>
             </a:extLst>
           </p:cNvPr>
@@ -2411,7 +2411,7 @@
           <p:cNvPr id="7" name="灯片编号占位符 6">
             <a:extLst>
               <a:ext uri="{FF2B5EF4-FFF2-40B4-BE49-F238E27FC236}">
-                <a16:creationId xmlns:a16="http://schemas.microsoft.com/office/drawing/2014/main" id="{FF14F416-1053-58F6-7E5C-43B8F6CC25CA}"/>
+                <a16:creationId xmlns:a16="http://schemas.microsoft.com/office/drawing/2014/main" id="{BB75CBE9-C051-CDB3-660F-43CC2CA3F46B}"/>
               </a:ext>
             </a:extLst>
           </p:cNvPr>
@@ -2427,7 +2427,7 @@
           <a:bodyPr/>
           <a:lstStyle/>
           <a:p>
-            <a:fld id="{B8647799-5ED2-4191-8E70-0364ACEEAD8B}" type="slidenum">
+            <a:fld id="{BFB5AA8A-AE62-4AD4-975D-7FC9D3ED7E45}" type="slidenum">
               <a:rPr lang="zh-CN" altLang="en-US" smtClean="0"/>
               <a:t>‹#›</a:t>
             </a:fld>
@@ -2438,7 +2438,7 @@
     </p:spTree>
     <p:extLst>
       <p:ext uri="{BB962C8B-B14F-4D97-AF65-F5344CB8AC3E}">
-        <p14:creationId xmlns:p14="http://schemas.microsoft.com/office/powerpoint/2010/main" val="1440274323"/>
+        <p14:creationId xmlns:p14="http://schemas.microsoft.com/office/powerpoint/2010/main" val="3548419081"/>
       </p:ext>
     </p:extLst>
   </p:cSld>
@@ -2470,7 +2470,7 @@
           <p:cNvPr id="2" name="标题 1">
             <a:extLst>
               <a:ext uri="{FF2B5EF4-FFF2-40B4-BE49-F238E27FC236}">
-                <a16:creationId xmlns:a16="http://schemas.microsoft.com/office/drawing/2014/main" id="{1782BCBB-06A5-ED06-5157-865ACF6F7335}"/>
+                <a16:creationId xmlns:a16="http://schemas.microsoft.com/office/drawing/2014/main" id="{8FF1AE5A-F668-D3F9-7EFD-EA594F9B7306}"/>
               </a:ext>
             </a:extLst>
           </p:cNvPr>
@@ -2507,7 +2507,7 @@
           <p:cNvPr id="3" name="图片占位符 2">
             <a:extLst>
               <a:ext uri="{FF2B5EF4-FFF2-40B4-BE49-F238E27FC236}">
-                <a16:creationId xmlns:a16="http://schemas.microsoft.com/office/drawing/2014/main" id="{45EC4549-F176-4169-234C-88D0A1990A0C}"/>
+                <a16:creationId xmlns:a16="http://schemas.microsoft.com/office/drawing/2014/main" id="{E41D8594-736C-87B4-1CC0-5DCA5B6C799D}"/>
               </a:ext>
             </a:extLst>
           </p:cNvPr>
@@ -2574,7 +2574,7 @@
           <p:cNvPr id="4" name="文本占位符 3">
             <a:extLst>
               <a:ext uri="{FF2B5EF4-FFF2-40B4-BE49-F238E27FC236}">
-                <a16:creationId xmlns:a16="http://schemas.microsoft.com/office/drawing/2014/main" id="{C5821B3B-41D4-1D41-061A-62164C579529}"/>
+                <a16:creationId xmlns:a16="http://schemas.microsoft.com/office/drawing/2014/main" id="{22C41952-35D1-6B87-76B9-5955CAA37BE1}"/>
               </a:ext>
             </a:extLst>
           </p:cNvPr>
@@ -2645,7 +2645,7 @@
           <p:cNvPr id="5" name="日期占位符 4">
             <a:extLst>
               <a:ext uri="{FF2B5EF4-FFF2-40B4-BE49-F238E27FC236}">
-                <a16:creationId xmlns:a16="http://schemas.microsoft.com/office/drawing/2014/main" id="{132CE62A-43DF-6F2F-FD41-5390EB1BA0C4}"/>
+                <a16:creationId xmlns:a16="http://schemas.microsoft.com/office/drawing/2014/main" id="{46692BB2-6464-9383-000B-D012F40FE1FE}"/>
               </a:ext>
             </a:extLst>
           </p:cNvPr>
@@ -2661,7 +2661,7 @@
           <a:bodyPr/>
           <a:lstStyle/>
           <a:p>
-            <a:fld id="{ED02F3F5-77AD-4609-97C4-FF4C1B35D5A0}" type="datetimeFigureOut">
+            <a:fld id="{4033F3EF-85DC-42CC-9657-7962BB2543D8}" type="datetimeFigureOut">
               <a:rPr lang="zh-CN" altLang="en-US" smtClean="0"/>
               <a:t>2024/3/10</a:t>
             </a:fld>
@@ -2674,7 +2674,7 @@
           <p:cNvPr id="6" name="页脚占位符 5">
             <a:extLst>
               <a:ext uri="{FF2B5EF4-FFF2-40B4-BE49-F238E27FC236}">
-                <a16:creationId xmlns:a16="http://schemas.microsoft.com/office/drawing/2014/main" id="{81507B9A-9F68-CCF6-40CD-4FB6A6A22D70}"/>
+                <a16:creationId xmlns:a16="http://schemas.microsoft.com/office/drawing/2014/main" id="{D10A7B8D-E792-0864-54BF-5BA17F249896}"/>
               </a:ext>
             </a:extLst>
           </p:cNvPr>
@@ -2699,7 +2699,7 @@
           <p:cNvPr id="7" name="灯片编号占位符 6">
             <a:extLst>
               <a:ext uri="{FF2B5EF4-FFF2-40B4-BE49-F238E27FC236}">
-                <a16:creationId xmlns:a16="http://schemas.microsoft.com/office/drawing/2014/main" id="{271BC9F2-EDDF-88D6-F2D7-E5E69E567146}"/>
+                <a16:creationId xmlns:a16="http://schemas.microsoft.com/office/drawing/2014/main" id="{1A0BCBC8-7855-40D2-C1F4-3606BE07AFB1}"/>
               </a:ext>
             </a:extLst>
           </p:cNvPr>
@@ -2715,7 +2715,7 @@
           <a:bodyPr/>
           <a:lstStyle/>
           <a:p>
-            <a:fld id="{B8647799-5ED2-4191-8E70-0364ACEEAD8B}" type="slidenum">
+            <a:fld id="{BFB5AA8A-AE62-4AD4-975D-7FC9D3ED7E45}" type="slidenum">
               <a:rPr lang="zh-CN" altLang="en-US" smtClean="0"/>
               <a:t>‹#›</a:t>
             </a:fld>
@@ -2726,7 +2726,7 @@
     </p:spTree>
     <p:extLst>
       <p:ext uri="{BB962C8B-B14F-4D97-AF65-F5344CB8AC3E}">
-        <p14:creationId xmlns:p14="http://schemas.microsoft.com/office/powerpoint/2010/main" val="3809297237"/>
+        <p14:creationId xmlns:p14="http://schemas.microsoft.com/office/powerpoint/2010/main" val="410907600"/>
       </p:ext>
     </p:extLst>
   </p:cSld>
@@ -2763,7 +2763,7 @@
           <p:cNvPr id="2" name="标题占位符 1">
             <a:extLst>
               <a:ext uri="{FF2B5EF4-FFF2-40B4-BE49-F238E27FC236}">
-                <a16:creationId xmlns:a16="http://schemas.microsoft.com/office/drawing/2014/main" id="{E1FFE749-7D82-BEC4-2FE4-7F5DDE94A510}"/>
+                <a16:creationId xmlns:a16="http://schemas.microsoft.com/office/drawing/2014/main" id="{C3489E58-06A4-A70D-D454-E0AA3FF84AAB}"/>
               </a:ext>
             </a:extLst>
           </p:cNvPr>
@@ -2801,7 +2801,7 @@
           <p:cNvPr id="3" name="文本占位符 2">
             <a:extLst>
               <a:ext uri="{FF2B5EF4-FFF2-40B4-BE49-F238E27FC236}">
-                <a16:creationId xmlns:a16="http://schemas.microsoft.com/office/drawing/2014/main" id="{D520B0EC-7E2A-EBCA-8CD0-B6C7EE1E2F39}"/>
+                <a16:creationId xmlns:a16="http://schemas.microsoft.com/office/drawing/2014/main" id="{C7292A03-62EC-905C-CC8C-8DD2092E5DFC}"/>
               </a:ext>
             </a:extLst>
           </p:cNvPr>
@@ -2868,7 +2868,7 @@
           <p:cNvPr id="4" name="日期占位符 3">
             <a:extLst>
               <a:ext uri="{FF2B5EF4-FFF2-40B4-BE49-F238E27FC236}">
-                <a16:creationId xmlns:a16="http://schemas.microsoft.com/office/drawing/2014/main" id="{1FAD29C8-61D5-4673-C249-2C107487CAD3}"/>
+                <a16:creationId xmlns:a16="http://schemas.microsoft.com/office/drawing/2014/main" id="{7FD2B86C-01C6-7740-09DA-ECD72861AE8C}"/>
               </a:ext>
             </a:extLst>
           </p:cNvPr>
@@ -2902,7 +2902,7 @@
             </a:lvl1pPr>
           </a:lstStyle>
           <a:p>
-            <a:fld id="{ED02F3F5-77AD-4609-97C4-FF4C1B35D5A0}" type="datetimeFigureOut">
+            <a:fld id="{4033F3EF-85DC-42CC-9657-7962BB2543D8}" type="datetimeFigureOut">
               <a:rPr lang="zh-CN" altLang="en-US" smtClean="0"/>
               <a:t>2024/3/10</a:t>
             </a:fld>
@@ -2915,7 +2915,7 @@
           <p:cNvPr id="5" name="页脚占位符 4">
             <a:extLst>
               <a:ext uri="{FF2B5EF4-FFF2-40B4-BE49-F238E27FC236}">
-                <a16:creationId xmlns:a16="http://schemas.microsoft.com/office/drawing/2014/main" id="{2C63D450-3BBD-8142-5028-A08F398295EB}"/>
+                <a16:creationId xmlns:a16="http://schemas.microsoft.com/office/drawing/2014/main" id="{C9EB8256-B4E8-1D44-2371-BFC591E191FE}"/>
               </a:ext>
             </a:extLst>
           </p:cNvPr>
@@ -2958,7 +2958,7 @@
           <p:cNvPr id="6" name="灯片编号占位符 5">
             <a:extLst>
               <a:ext uri="{FF2B5EF4-FFF2-40B4-BE49-F238E27FC236}">
-                <a16:creationId xmlns:a16="http://schemas.microsoft.com/office/drawing/2014/main" id="{429C08C5-C50E-7FA7-8D4E-1B3A3CDA4467}"/>
+                <a16:creationId xmlns:a16="http://schemas.microsoft.com/office/drawing/2014/main" id="{567AFBE8-16B1-FDF6-46CD-87186125C206}"/>
               </a:ext>
             </a:extLst>
           </p:cNvPr>
@@ -2992,7 +2992,7 @@
             </a:lvl1pPr>
           </a:lstStyle>
           <a:p>
-            <a:fld id="{B8647799-5ED2-4191-8E70-0364ACEEAD8B}" type="slidenum">
+            <a:fld id="{BFB5AA8A-AE62-4AD4-975D-7FC9D3ED7E45}" type="slidenum">
               <a:rPr lang="zh-CN" altLang="en-US" smtClean="0"/>
               <a:t>‹#›</a:t>
             </a:fld>
@@ -3003,7 +3003,7 @@
     </p:spTree>
     <p:extLst>
       <p:ext uri="{BB962C8B-B14F-4D97-AF65-F5344CB8AC3E}">
-        <p14:creationId xmlns:p14="http://schemas.microsoft.com/office/powerpoint/2010/main" val="1279902049"/>
+        <p14:creationId xmlns:p14="http://schemas.microsoft.com/office/powerpoint/2010/main" val="2911600542"/>
       </p:ext>
     </p:extLst>
   </p:cSld>
@@ -3323,7 +3323,7 @@
       </p:grpSpPr>
       <p:pic>
         <p:nvPicPr>
-          <p:cNvPr id="579586" name="Picture 2" descr="565"/>
+          <p:cNvPr id="580610" name="Picture 2" descr="566"/>
           <p:cNvPicPr>
             <a:picLocks noChangeAspect="1" noChangeArrowheads="1"/>
           </p:cNvPicPr>
@@ -3344,8 +3344,8 @@
         </p:blipFill>
         <p:spPr bwMode="auto">
           <a:xfrm>
-            <a:off x="1524000" y="0"/>
-            <a:ext cx="9144000" cy="6858000"/>
+            <a:off x="1524000" y="1"/>
+            <a:ext cx="9144000" cy="4581525"/>
           </a:xfrm>
           <a:prstGeom prst="rect">
             <a:avLst/>
